--- a/TWCC.pptx
+++ b/TWCC.pptx
@@ -5,7 +5,7 @@
     <p:sldMasterId id="2147483648" r:id="rId1"/>
   </p:sldMasterIdLst>
   <p:notesMasterIdLst>
-    <p:notesMasterId r:id="rId18"/>
+    <p:notesMasterId r:id="rId19"/>
   </p:notesMasterIdLst>
   <p:sldIdLst>
     <p:sldId id="270" r:id="rId2"/>
@@ -17,13 +17,14 @@
     <p:sldId id="262" r:id="rId8"/>
     <p:sldId id="267" r:id="rId9"/>
     <p:sldId id="272" r:id="rId10"/>
-    <p:sldId id="268" r:id="rId11"/>
-    <p:sldId id="259" r:id="rId12"/>
-    <p:sldId id="263" r:id="rId13"/>
-    <p:sldId id="264" r:id="rId14"/>
-    <p:sldId id="269" r:id="rId15"/>
-    <p:sldId id="265" r:id="rId16"/>
-    <p:sldId id="266" r:id="rId17"/>
+    <p:sldId id="273" r:id="rId11"/>
+    <p:sldId id="268" r:id="rId12"/>
+    <p:sldId id="259" r:id="rId13"/>
+    <p:sldId id="263" r:id="rId14"/>
+    <p:sldId id="264" r:id="rId15"/>
+    <p:sldId id="269" r:id="rId16"/>
+    <p:sldId id="265" r:id="rId17"/>
+    <p:sldId id="266" r:id="rId18"/>
   </p:sldIdLst>
   <p:sldSz cx="12192000" cy="6858000"/>
   <p:notesSz cx="6858000" cy="9144000"/>
@@ -1020,38 +1021,14 @@
             </a:pPr>
             <a:r>
               <a:rPr lang="en-US" dirty="0"/>
-              <a:t>The Bellman’s Equation is THE equation in </a:t>
-            </a:r>
-            <a:r>
-              <a:rPr lang="en-US"/>
-              <a:t>machine learning.</a:t>
-            </a:r>
-          </a:p>
-          <a:p>
-            <a:pPr marL="0" marR="0" lvl="0" indent="0" algn="l" defTabSz="914400" rtl="0" eaLnBrk="1" fontAlgn="auto" latinLnBrk="0" hangingPunct="1">
-              <a:lnSpc>
-                <a:spcPct val="100000"/>
-              </a:lnSpc>
-              <a:spcBef>
-                <a:spcPts val="0"/>
-              </a:spcBef>
-              <a:spcAft>
-                <a:spcPts val="0"/>
-              </a:spcAft>
-              <a:buClrTx/>
-              <a:buSzTx/>
-              <a:buFontTx/>
-              <a:buNone/>
-              <a:tabLst/>
-              <a:defRPr/>
-            </a:pPr>
+              <a:t>The Bellman’s Equation is THE equation in machine learning.</a:t>
+            </a:r>
+          </a:p>
+          <a:p>
             <a:r>
               <a:rPr lang="en-US" dirty="0"/>
-              <a:t>NOTE: If you discount factor is 0.8 after 5 steps you get a reward of 4 the present value of that reward is 0.8^4 * 5 or ~2</a:t>
-            </a:r>
-          </a:p>
-          <a:p>
-            <a:endParaRPr lang="en-US" dirty="0"/>
+              <a:t>~~Walkthrough each symbol~~</a:t>
+            </a:r>
           </a:p>
         </p:txBody>
       </p:sp>
@@ -1082,6 +1059,105 @@
     <p:extLst>
       <p:ext uri="{BB962C8B-B14F-4D97-AF65-F5344CB8AC3E}">
         <p14:creationId xmlns:p14="http://schemas.microsoft.com/office/powerpoint/2010/main" val="615887713"/>
+      </p:ext>
+    </p:extLst>
+  </p:cSld>
+  <p:clrMapOvr>
+    <a:masterClrMapping/>
+  </p:clrMapOvr>
+</p:notes>
+</file>
+
+<file path=ppt/notesSlides/notesSlide7.xml><?xml version="1.0" encoding="utf-8"?>
+<p:notes xmlns:a="http://schemas.openxmlformats.org/drawingml/2006/main" xmlns:r="http://schemas.openxmlformats.org/officeDocument/2006/relationships" xmlns:p="http://schemas.openxmlformats.org/presentationml/2006/main">
+  <p:cSld>
+    <p:spTree>
+      <p:nvGrpSpPr>
+        <p:cNvPr id="1" name=""/>
+        <p:cNvGrpSpPr/>
+        <p:nvPr/>
+      </p:nvGrpSpPr>
+      <p:grpSpPr>
+        <a:xfrm>
+          <a:off x="0" y="0"/>
+          <a:ext cx="0" cy="0"/>
+          <a:chOff x="0" y="0"/>
+          <a:chExt cx="0" cy="0"/>
+        </a:xfrm>
+      </p:grpSpPr>
+      <p:sp>
+        <p:nvSpPr>
+          <p:cNvPr id="2" name="Slide Image Placeholder 1"/>
+          <p:cNvSpPr>
+            <a:spLocks noGrp="1" noRot="1" noChangeAspect="1"/>
+          </p:cNvSpPr>
+          <p:nvPr>
+            <p:ph type="sldImg"/>
+          </p:nvPr>
+        </p:nvSpPr>
+        <p:spPr/>
+      </p:sp>
+      <p:sp>
+        <p:nvSpPr>
+          <p:cNvPr id="3" name="Notes Placeholder 2"/>
+          <p:cNvSpPr>
+            <a:spLocks noGrp="1"/>
+          </p:cNvSpPr>
+          <p:nvPr>
+            <p:ph type="body" idx="1"/>
+          </p:nvPr>
+        </p:nvSpPr>
+        <p:spPr/>
+        <p:txBody>
+          <a:bodyPr/>
+          <a:lstStyle/>
+          <a:p>
+            <a:r>
+              <a:rPr lang="en-US" dirty="0"/>
+              <a:t>Here are 2 examples of the Discount Factor/Gamma</a:t>
+            </a:r>
+          </a:p>
+          <a:p>
+            <a:r>
+              <a:rPr lang="en-US" dirty="0"/>
+              <a:t>First, this is what it looks like when you have a reward 4 states away. It demonstrates how the value propagates back to your current state</a:t>
+            </a:r>
+          </a:p>
+          <a:p>
+            <a:r>
+              <a:rPr lang="en-US" dirty="0"/>
+              <a:t>Second, this is how the reward would propagate after a single run of the Value Iteration</a:t>
+            </a:r>
+          </a:p>
+        </p:txBody>
+      </p:sp>
+      <p:sp>
+        <p:nvSpPr>
+          <p:cNvPr id="4" name="Slide Number Placeholder 3"/>
+          <p:cNvSpPr>
+            <a:spLocks noGrp="1"/>
+          </p:cNvSpPr>
+          <p:nvPr>
+            <p:ph type="sldNum" sz="quarter" idx="5"/>
+          </p:nvPr>
+        </p:nvSpPr>
+        <p:spPr/>
+        <p:txBody>
+          <a:bodyPr/>
+          <a:lstStyle/>
+          <a:p>
+            <a:fld id="{9420DBD2-A729-404D-91D2-2A01589A4581}" type="slidenum">
+              <a:rPr lang="en-US" smtClean="0"/>
+              <a:t>10</a:t>
+            </a:fld>
+            <a:endParaRPr lang="en-US"/>
+          </a:p>
+        </p:txBody>
+      </p:sp>
+    </p:spTree>
+    <p:extLst>
+      <p:ext uri="{BB962C8B-B14F-4D97-AF65-F5344CB8AC3E}">
+        <p14:creationId xmlns:p14="http://schemas.microsoft.com/office/powerpoint/2010/main" val="3052686283"/>
       </p:ext>
     </p:extLst>
   </p:cSld>
@@ -4533,12 +4609,114 @@
           <a:chExt cx="0" cy="0"/>
         </a:xfrm>
       </p:grpSpPr>
+      <mc:AlternateContent xmlns:mc="http://schemas.openxmlformats.org/markup-compatibility/2006">
+        <mc:Choice xmlns:a14="http://schemas.microsoft.com/office/drawing/2010/main" Requires="a14">
+          <p:sp>
+            <p:nvSpPr>
+              <p:cNvPr id="2" name="Title 1">
+                <a:extLst>
+                  <a:ext uri="{FF2B5EF4-FFF2-40B4-BE49-F238E27FC236}">
+                    <a16:creationId xmlns:a16="http://schemas.microsoft.com/office/drawing/2014/main" id="{408315DA-C2D6-40BF-A0F9-6EF94A0AA7C1}"/>
+                  </a:ext>
+                </a:extLst>
+              </p:cNvPr>
+              <p:cNvSpPr>
+                <a:spLocks noGrp="1"/>
+              </p:cNvSpPr>
+              <p:nvPr>
+                <p:ph type="title"/>
+              </p:nvPr>
+            </p:nvSpPr>
+            <p:spPr/>
+            <p:txBody>
+              <a:bodyPr/>
+              <a:lstStyle/>
+              <a:p>
+                <a:r>
+                  <a:rPr lang="en-US" dirty="0">
+                    <a:solidFill>
+                      <a:schemeClr val="accent1">
+                        <a:lumMod val="75000"/>
+                      </a:schemeClr>
+                    </a:solidFill>
+                  </a:rPr>
+                  <a:t>Discount Factor (</a:t>
+                </a:r>
+                <a14:m>
+                  <m:oMath xmlns:m="http://schemas.openxmlformats.org/officeDocument/2006/math">
+                    <m:r>
+                      <a:rPr lang="en-US" i="1" dirty="0" smtClean="0">
+                        <a:solidFill>
+                          <a:schemeClr val="accent1">
+                            <a:lumMod val="75000"/>
+                          </a:schemeClr>
+                        </a:solidFill>
+                        <a:latin typeface="Cambria Math" panose="02040503050406030204" pitchFamily="18" charset="0"/>
+                      </a:rPr>
+                      <m:t>𝛾</m:t>
+                    </m:r>
+                  </m:oMath>
+                </a14:m>
+                <a:r>
+                  <a:rPr lang="en-US" dirty="0">
+                    <a:solidFill>
+                      <a:schemeClr val="accent1">
+                        <a:lumMod val="75000"/>
+                      </a:schemeClr>
+                    </a:solidFill>
+                  </a:rPr>
+                  <a:t>)</a:t>
+                </a:r>
+              </a:p>
+            </p:txBody>
+          </p:sp>
+        </mc:Choice>
+        <mc:Fallback>
+          <p:sp>
+            <p:nvSpPr>
+              <p:cNvPr id="2" name="Title 1">
+                <a:extLst>
+                  <a:ext uri="{FF2B5EF4-FFF2-40B4-BE49-F238E27FC236}">
+                    <a16:creationId xmlns:a16="http://schemas.microsoft.com/office/drawing/2014/main" id="{408315DA-C2D6-40BF-A0F9-6EF94A0AA7C1}"/>
+                  </a:ext>
+                </a:extLst>
+              </p:cNvPr>
+              <p:cNvSpPr>
+                <a:spLocks noGrp="1" noRot="1" noChangeAspect="1" noMove="1" noResize="1" noEditPoints="1" noAdjustHandles="1" noChangeArrowheads="1" noChangeShapeType="1" noTextEdit="1"/>
+              </p:cNvSpPr>
+              <p:nvPr>
+                <p:ph type="title"/>
+              </p:nvPr>
+            </p:nvSpPr>
+            <p:spPr>
+              <a:blipFill>
+                <a:blip r:embed="rId3"/>
+                <a:stretch>
+                  <a:fillRect l="-2377"/>
+                </a:stretch>
+              </a:blipFill>
+            </p:spPr>
+            <p:txBody>
+              <a:bodyPr/>
+              <a:lstStyle/>
+              <a:p>
+                <a:r>
+                  <a:rPr lang="en-US">
+                    <a:noFill/>
+                  </a:rPr>
+                  <a:t> </a:t>
+                </a:r>
+              </a:p>
+            </p:txBody>
+          </p:sp>
+        </mc:Fallback>
+      </mc:AlternateContent>
       <p:pic>
         <p:nvPicPr>
           <p:cNvPr id="4" name="Picture 3">
             <a:extLst>
               <a:ext uri="{FF2B5EF4-FFF2-40B4-BE49-F238E27FC236}">
-                <a16:creationId xmlns:a16="http://schemas.microsoft.com/office/drawing/2014/main" id="{7B025288-E2ED-4A0C-A382-6235BA7052F3}"/>
+                <a16:creationId xmlns:a16="http://schemas.microsoft.com/office/drawing/2014/main" id="{A04174E0-9011-4F63-9B65-49778FE78A06}"/>
               </a:ext>
             </a:extLst>
           </p:cNvPr>
@@ -4548,379 +4726,189 @@
           <p:nvPr/>
         </p:nvPicPr>
         <p:blipFill>
-          <a:blip r:embed="rId2"/>
+          <a:blip r:embed="rId4"/>
           <a:stretch>
             <a:fillRect/>
           </a:stretch>
         </p:blipFill>
         <p:spPr>
           <a:xfrm>
-            <a:off x="1129379" y="2534658"/>
-            <a:ext cx="7300772" cy="1537604"/>
+            <a:off x="2474569" y="1728486"/>
+            <a:ext cx="8138672" cy="1325563"/>
           </a:xfrm>
           <a:prstGeom prst="rect">
             <a:avLst/>
           </a:prstGeom>
         </p:spPr>
       </p:pic>
-      <p:sp>
-        <p:nvSpPr>
-          <p:cNvPr id="2" name="Title 1">
-            <a:extLst>
-              <a:ext uri="{FF2B5EF4-FFF2-40B4-BE49-F238E27FC236}">
-                <a16:creationId xmlns:a16="http://schemas.microsoft.com/office/drawing/2014/main" id="{4DAEA207-CEE5-40B2-B975-B72466FAF0AF}"/>
-              </a:ext>
-            </a:extLst>
-          </p:cNvPr>
-          <p:cNvSpPr>
-            <a:spLocks noGrp="1"/>
-          </p:cNvSpPr>
-          <p:nvPr>
-            <p:ph type="title"/>
-          </p:nvPr>
-        </p:nvSpPr>
-        <p:spPr/>
-        <p:txBody>
-          <a:bodyPr/>
-          <a:lstStyle/>
-          <a:p>
-            <a:r>
-              <a:rPr lang="en-US" dirty="0">
-                <a:solidFill>
-                  <a:schemeClr val="accent5">
-                    <a:lumMod val="50000"/>
-                  </a:schemeClr>
-                </a:solidFill>
-              </a:rPr>
-              <a:t>Value Iteration</a:t>
-            </a:r>
-          </a:p>
-        </p:txBody>
-      </p:sp>
-      <p:sp>
-        <p:nvSpPr>
-          <p:cNvPr id="3" name="Content Placeholder 2">
-            <a:extLst>
-              <a:ext uri="{FF2B5EF4-FFF2-40B4-BE49-F238E27FC236}">
-                <a16:creationId xmlns:a16="http://schemas.microsoft.com/office/drawing/2014/main" id="{24CC0650-62D0-4086-A56C-668A4CC8A5AB}"/>
-              </a:ext>
-            </a:extLst>
-          </p:cNvPr>
-          <p:cNvSpPr>
-            <a:spLocks noGrp="1"/>
-          </p:cNvSpPr>
-          <p:nvPr>
-            <p:ph idx="1"/>
-          </p:nvPr>
-        </p:nvSpPr>
+      <p:pic>
+        <p:nvPicPr>
+          <p:cNvPr id="5" name="Picture 4">
+            <a:extLst>
+              <a:ext uri="{FF2B5EF4-FFF2-40B4-BE49-F238E27FC236}">
+                <a16:creationId xmlns:a16="http://schemas.microsoft.com/office/drawing/2014/main" id="{41EAFBEB-78BB-4A1A-B5E2-8BEE6A31CC42}"/>
+              </a:ext>
+            </a:extLst>
+          </p:cNvPr>
+          <p:cNvPicPr>
+            <a:picLocks noChangeAspect="1"/>
+          </p:cNvPicPr>
+          <p:nvPr/>
+        </p:nvPicPr>
+        <p:blipFill>
+          <a:blip r:embed="rId5"/>
+          <a:stretch>
+            <a:fillRect/>
+          </a:stretch>
+        </p:blipFill>
         <p:spPr>
           <a:xfrm>
-            <a:off x="838200" y="1825625"/>
-            <a:ext cx="10515600" cy="2246637"/>
-          </a:xfrm>
-        </p:spPr>
-        <p:txBody>
-          <a:bodyPr/>
-          <a:lstStyle/>
-          <a:p>
-            <a:r>
-              <a:rPr lang="en-US" dirty="0">
-                <a:solidFill>
-                  <a:schemeClr val="accent5">
-                    <a:lumMod val="50000"/>
-                  </a:schemeClr>
-                </a:solidFill>
-              </a:rPr>
-              <a:t>Instead of the optimal policy we find the maximum value</a:t>
-            </a:r>
-          </a:p>
-          <a:p>
-            <a:r>
-              <a:rPr lang="en-US" dirty="0">
-                <a:solidFill>
-                  <a:schemeClr val="accent5">
-                    <a:lumMod val="50000"/>
-                  </a:schemeClr>
-                </a:solidFill>
-              </a:rPr>
-              <a:t>Value Function</a:t>
-            </a:r>
-          </a:p>
-        </p:txBody>
-      </p:sp>
-      <p:sp>
-        <p:nvSpPr>
-          <p:cNvPr id="6" name="Title 1">
-            <a:extLst>
-              <a:ext uri="{FF2B5EF4-FFF2-40B4-BE49-F238E27FC236}">
-                <a16:creationId xmlns:a16="http://schemas.microsoft.com/office/drawing/2014/main" id="{0494A47D-090B-4CFB-824B-DEDC781F5DC7}"/>
-              </a:ext>
-            </a:extLst>
-          </p:cNvPr>
-          <p:cNvSpPr txBox="1">
-            <a:spLocks/>
-          </p:cNvSpPr>
-          <p:nvPr/>
-        </p:nvSpPr>
-        <p:spPr>
-          <a:xfrm>
-            <a:off x="838200" y="3987191"/>
-            <a:ext cx="10515600" cy="1325563"/>
+            <a:off x="2474569" y="3847201"/>
+            <a:ext cx="2023290" cy="2290097"/>
           </a:xfrm>
           <a:prstGeom prst="rect">
             <a:avLst/>
           </a:prstGeom>
         </p:spPr>
-        <p:txBody>
-          <a:bodyPr vert="horz" lIns="91440" tIns="45720" rIns="91440" bIns="45720" rtlCol="0" anchor="ctr">
-            <a:normAutofit/>
-          </a:bodyPr>
-          <a:lstStyle>
-            <a:lvl1pPr algn="l" defTabSz="914400" rtl="0" eaLnBrk="1" latinLnBrk="0" hangingPunct="1">
-              <a:lnSpc>
-                <a:spcPct val="90000"/>
-              </a:lnSpc>
-              <a:spcBef>
-                <a:spcPct val="0"/>
-              </a:spcBef>
-              <a:buNone/>
-              <a:defRPr sz="4400" kern="1200">
-                <a:solidFill>
-                  <a:schemeClr val="tx1"/>
-                </a:solidFill>
-                <a:latin typeface="+mj-lt"/>
-                <a:ea typeface="+mj-ea"/>
-                <a:cs typeface="+mj-cs"/>
-              </a:defRPr>
-            </a:lvl1pPr>
-          </a:lstStyle>
-          <a:p>
-            <a:r>
-              <a:rPr lang="en-US" dirty="0">
-                <a:solidFill>
-                  <a:schemeClr val="accent5">
-                    <a:lumMod val="50000"/>
-                  </a:schemeClr>
-                </a:solidFill>
-              </a:rPr>
-              <a:t>Policy Iteration</a:t>
-            </a:r>
-          </a:p>
-        </p:txBody>
-      </p:sp>
-      <p:sp>
-        <p:nvSpPr>
-          <p:cNvPr id="7" name="Content Placeholder 2">
-            <a:extLst>
-              <a:ext uri="{FF2B5EF4-FFF2-40B4-BE49-F238E27FC236}">
-                <a16:creationId xmlns:a16="http://schemas.microsoft.com/office/drawing/2014/main" id="{11D30AE9-85CD-461B-91A3-DA4B34DFC1D1}"/>
-              </a:ext>
-            </a:extLst>
-          </p:cNvPr>
-          <p:cNvSpPr txBox="1">
-            <a:spLocks/>
-          </p:cNvSpPr>
+      </p:pic>
+      <p:pic>
+        <p:nvPicPr>
+          <p:cNvPr id="6" name="Picture 5">
+            <a:extLst>
+              <a:ext uri="{FF2B5EF4-FFF2-40B4-BE49-F238E27FC236}">
+                <a16:creationId xmlns:a16="http://schemas.microsoft.com/office/drawing/2014/main" id="{8A0365BC-CD55-49D7-8CA3-DAD8FBB58275}"/>
+              </a:ext>
+            </a:extLst>
+          </p:cNvPr>
+          <p:cNvPicPr>
+            <a:picLocks noChangeAspect="1"/>
+          </p:cNvPicPr>
           <p:nvPr/>
-        </p:nvSpPr>
+        </p:nvPicPr>
+        <p:blipFill>
+          <a:blip r:embed="rId6"/>
+          <a:stretch>
+            <a:fillRect/>
+          </a:stretch>
+        </p:blipFill>
         <p:spPr>
           <a:xfrm>
-            <a:off x="838200" y="5110509"/>
-            <a:ext cx="10515600" cy="2246637"/>
+            <a:off x="5216031" y="3958412"/>
+            <a:ext cx="1759938" cy="1925579"/>
           </a:xfrm>
           <a:prstGeom prst="rect">
             <a:avLst/>
           </a:prstGeom>
         </p:spPr>
-        <p:txBody>
-          <a:bodyPr vert="horz" lIns="91440" tIns="45720" rIns="91440" bIns="45720" rtlCol="0">
-            <a:normAutofit/>
+      </p:pic>
+      <p:pic>
+        <p:nvPicPr>
+          <p:cNvPr id="7" name="Picture 6">
+            <a:extLst>
+              <a:ext uri="{FF2B5EF4-FFF2-40B4-BE49-F238E27FC236}">
+                <a16:creationId xmlns:a16="http://schemas.microsoft.com/office/drawing/2014/main" id="{B19F6614-FDE0-4DF8-BBD1-623FFA0BE789}"/>
+              </a:ext>
+            </a:extLst>
+          </p:cNvPr>
+          <p:cNvPicPr>
+            <a:picLocks noChangeAspect="1"/>
+          </p:cNvPicPr>
+          <p:nvPr/>
+        </p:nvPicPr>
+        <p:blipFill>
+          <a:blip r:embed="rId7"/>
+          <a:stretch>
+            <a:fillRect/>
+          </a:stretch>
+        </p:blipFill>
+        <p:spPr>
+          <a:xfrm>
+            <a:off x="4497859" y="4707924"/>
+            <a:ext cx="541405" cy="433124"/>
+          </a:xfrm>
+          <a:prstGeom prst="rect">
+            <a:avLst/>
+          </a:prstGeom>
+        </p:spPr>
+      </p:pic>
+      <p:sp>
+        <p:nvSpPr>
+          <p:cNvPr id="8" name="TextBox 7">
+            <a:extLst>
+              <a:ext uri="{FF2B5EF4-FFF2-40B4-BE49-F238E27FC236}">
+                <a16:creationId xmlns:a16="http://schemas.microsoft.com/office/drawing/2014/main" id="{4424AF8C-C0B9-4B49-8161-383E60A592FB}"/>
+              </a:ext>
+            </a:extLst>
+          </p:cNvPr>
+          <p:cNvSpPr txBox="1"/>
+          <p:nvPr/>
+        </p:nvSpPr>
+        <p:spPr>
+          <a:xfrm>
+            <a:off x="976184" y="1977081"/>
+            <a:ext cx="1346844" cy="369332"/>
+          </a:xfrm>
+          <a:prstGeom prst="rect">
+            <a:avLst/>
+          </a:prstGeom>
+          <a:noFill/>
+        </p:spPr>
+        <p:txBody>
+          <a:bodyPr wrap="none" rtlCol="0">
+            <a:spAutoFit/>
           </a:bodyPr>
-          <a:lstStyle>
-            <a:lvl1pPr marL="228600" indent="-228600" algn="l" defTabSz="914400" rtl="0" eaLnBrk="1" latinLnBrk="0" hangingPunct="1">
-              <a:lnSpc>
-                <a:spcPct val="90000"/>
-              </a:lnSpc>
-              <a:spcBef>
-                <a:spcPts val="1000"/>
-              </a:spcBef>
-              <a:buFont typeface="Arial" panose="020B0604020202020204" pitchFamily="34" charset="0"/>
-              <a:buChar char="•"/>
-              <a:defRPr sz="2800" kern="1200">
-                <a:solidFill>
-                  <a:schemeClr val="tx1"/>
-                </a:solidFill>
-                <a:latin typeface="+mn-lt"/>
-                <a:ea typeface="+mn-ea"/>
-                <a:cs typeface="+mn-cs"/>
-              </a:defRPr>
-            </a:lvl1pPr>
-            <a:lvl2pPr marL="685800" indent="-228600" algn="l" defTabSz="914400" rtl="0" eaLnBrk="1" latinLnBrk="0" hangingPunct="1">
-              <a:lnSpc>
-                <a:spcPct val="90000"/>
-              </a:lnSpc>
-              <a:spcBef>
-                <a:spcPts val="500"/>
-              </a:spcBef>
-              <a:buFont typeface="Arial" panose="020B0604020202020204" pitchFamily="34" charset="0"/>
-              <a:buChar char="•"/>
-              <a:defRPr sz="2400" kern="1200">
-                <a:solidFill>
-                  <a:schemeClr val="tx1"/>
-                </a:solidFill>
-                <a:latin typeface="+mn-lt"/>
-                <a:ea typeface="+mn-ea"/>
-                <a:cs typeface="+mn-cs"/>
-              </a:defRPr>
-            </a:lvl2pPr>
-            <a:lvl3pPr marL="1143000" indent="-228600" algn="l" defTabSz="914400" rtl="0" eaLnBrk="1" latinLnBrk="0" hangingPunct="1">
-              <a:lnSpc>
-                <a:spcPct val="90000"/>
-              </a:lnSpc>
-              <a:spcBef>
-                <a:spcPts val="500"/>
-              </a:spcBef>
-              <a:buFont typeface="Arial" panose="020B0604020202020204" pitchFamily="34" charset="0"/>
-              <a:buChar char="•"/>
-              <a:defRPr sz="2000" kern="1200">
-                <a:solidFill>
-                  <a:schemeClr val="tx1"/>
-                </a:solidFill>
-                <a:latin typeface="+mn-lt"/>
-                <a:ea typeface="+mn-ea"/>
-                <a:cs typeface="+mn-cs"/>
-              </a:defRPr>
-            </a:lvl3pPr>
-            <a:lvl4pPr marL="1600200" indent="-228600" algn="l" defTabSz="914400" rtl="0" eaLnBrk="1" latinLnBrk="0" hangingPunct="1">
-              <a:lnSpc>
-                <a:spcPct val="90000"/>
-              </a:lnSpc>
-              <a:spcBef>
-                <a:spcPts val="500"/>
-              </a:spcBef>
-              <a:buFont typeface="Arial" panose="020B0604020202020204" pitchFamily="34" charset="0"/>
-              <a:buChar char="•"/>
-              <a:defRPr sz="1800" kern="1200">
-                <a:solidFill>
-                  <a:schemeClr val="tx1"/>
-                </a:solidFill>
-                <a:latin typeface="+mn-lt"/>
-                <a:ea typeface="+mn-ea"/>
-                <a:cs typeface="+mn-cs"/>
-              </a:defRPr>
-            </a:lvl4pPr>
-            <a:lvl5pPr marL="2057400" indent="-228600" algn="l" defTabSz="914400" rtl="0" eaLnBrk="1" latinLnBrk="0" hangingPunct="1">
-              <a:lnSpc>
-                <a:spcPct val="90000"/>
-              </a:lnSpc>
-              <a:spcBef>
-                <a:spcPts val="500"/>
-              </a:spcBef>
-              <a:buFont typeface="Arial" panose="020B0604020202020204" pitchFamily="34" charset="0"/>
-              <a:buChar char="•"/>
-              <a:defRPr sz="1800" kern="1200">
-                <a:solidFill>
-                  <a:schemeClr val="tx1"/>
-                </a:solidFill>
-                <a:latin typeface="+mn-lt"/>
-                <a:ea typeface="+mn-ea"/>
-                <a:cs typeface="+mn-cs"/>
-              </a:defRPr>
-            </a:lvl5pPr>
-            <a:lvl6pPr marL="2514600" indent="-228600" algn="l" defTabSz="914400" rtl="0" eaLnBrk="1" latinLnBrk="0" hangingPunct="1">
-              <a:lnSpc>
-                <a:spcPct val="90000"/>
-              </a:lnSpc>
-              <a:spcBef>
-                <a:spcPts val="500"/>
-              </a:spcBef>
-              <a:buFont typeface="Arial" panose="020B0604020202020204" pitchFamily="34" charset="0"/>
-              <a:buChar char="•"/>
-              <a:defRPr sz="1800" kern="1200">
-                <a:solidFill>
-                  <a:schemeClr val="tx1"/>
-                </a:solidFill>
-                <a:latin typeface="+mn-lt"/>
-                <a:ea typeface="+mn-ea"/>
-                <a:cs typeface="+mn-cs"/>
-              </a:defRPr>
-            </a:lvl6pPr>
-            <a:lvl7pPr marL="2971800" indent="-228600" algn="l" defTabSz="914400" rtl="0" eaLnBrk="1" latinLnBrk="0" hangingPunct="1">
-              <a:lnSpc>
-                <a:spcPct val="90000"/>
-              </a:lnSpc>
-              <a:spcBef>
-                <a:spcPts val="500"/>
-              </a:spcBef>
-              <a:buFont typeface="Arial" panose="020B0604020202020204" pitchFamily="34" charset="0"/>
-              <a:buChar char="•"/>
-              <a:defRPr sz="1800" kern="1200">
-                <a:solidFill>
-                  <a:schemeClr val="tx1"/>
-                </a:solidFill>
-                <a:latin typeface="+mn-lt"/>
-                <a:ea typeface="+mn-ea"/>
-                <a:cs typeface="+mn-cs"/>
-              </a:defRPr>
-            </a:lvl7pPr>
-            <a:lvl8pPr marL="3429000" indent="-228600" algn="l" defTabSz="914400" rtl="0" eaLnBrk="1" latinLnBrk="0" hangingPunct="1">
-              <a:lnSpc>
-                <a:spcPct val="90000"/>
-              </a:lnSpc>
-              <a:spcBef>
-                <a:spcPts val="500"/>
-              </a:spcBef>
-              <a:buFont typeface="Arial" panose="020B0604020202020204" pitchFamily="34" charset="0"/>
-              <a:buChar char="•"/>
-              <a:defRPr sz="1800" kern="1200">
-                <a:solidFill>
-                  <a:schemeClr val="tx1"/>
-                </a:solidFill>
-                <a:latin typeface="+mn-lt"/>
-                <a:ea typeface="+mn-ea"/>
-                <a:cs typeface="+mn-cs"/>
-              </a:defRPr>
-            </a:lvl8pPr>
-            <a:lvl9pPr marL="3886200" indent="-228600" algn="l" defTabSz="914400" rtl="0" eaLnBrk="1" latinLnBrk="0" hangingPunct="1">
-              <a:lnSpc>
-                <a:spcPct val="90000"/>
-              </a:lnSpc>
-              <a:spcBef>
-                <a:spcPts val="500"/>
-              </a:spcBef>
-              <a:buFont typeface="Arial" panose="020B0604020202020204" pitchFamily="34" charset="0"/>
-              <a:buChar char="•"/>
-              <a:defRPr sz="1800" kern="1200">
-                <a:solidFill>
-                  <a:schemeClr val="tx1"/>
-                </a:solidFill>
-                <a:latin typeface="+mn-lt"/>
-                <a:ea typeface="+mn-ea"/>
-                <a:cs typeface="+mn-cs"/>
-              </a:defRPr>
-            </a:lvl9pPr>
-          </a:lstStyle>
-          <a:p>
-            <a:r>
-              <a:rPr lang="en-US" dirty="0">
-                <a:solidFill>
-                  <a:schemeClr val="accent5">
-                    <a:lumMod val="50000"/>
-                  </a:schemeClr>
-                </a:solidFill>
-              </a:rPr>
-              <a:t>Update the policy directly instead of trying to find the value</a:t>
-            </a:r>
-          </a:p>
-          <a:p>
-            <a:r>
-              <a:rPr lang="en-US" dirty="0">
-                <a:solidFill>
-                  <a:schemeClr val="accent5">
-                    <a:lumMod val="50000"/>
-                  </a:schemeClr>
-                </a:solidFill>
-              </a:rPr>
-              <a:t>Ex: Using linear equations find the infinite reward for each state using current policy. Change first action and repeat.</a:t>
+          <a:lstStyle/>
+          <a:p>
+            <a:r>
+              <a:rPr lang="en-US" b="1" dirty="0">
+                <a:solidFill>
+                  <a:schemeClr val="accent1">
+                    <a:lumMod val="75000"/>
+                  </a:schemeClr>
+                </a:solidFill>
+              </a:rPr>
+              <a:t>Gamma: 0.8</a:t>
+            </a:r>
+          </a:p>
+        </p:txBody>
+      </p:sp>
+      <p:sp>
+        <p:nvSpPr>
+          <p:cNvPr id="10" name="TextBox 9">
+            <a:extLst>
+              <a:ext uri="{FF2B5EF4-FFF2-40B4-BE49-F238E27FC236}">
+                <a16:creationId xmlns:a16="http://schemas.microsoft.com/office/drawing/2014/main" id="{D1462C1B-AB21-405F-923F-0032197AE969}"/>
+              </a:ext>
+            </a:extLst>
+          </p:cNvPr>
+          <p:cNvSpPr txBox="1"/>
+          <p:nvPr/>
+        </p:nvSpPr>
+        <p:spPr>
+          <a:xfrm>
+            <a:off x="976184" y="4736535"/>
+            <a:ext cx="1346844" cy="369332"/>
+          </a:xfrm>
+          <a:prstGeom prst="rect">
+            <a:avLst/>
+          </a:prstGeom>
+          <a:noFill/>
+        </p:spPr>
+        <p:txBody>
+          <a:bodyPr wrap="none" rtlCol="0">
+            <a:spAutoFit/>
+          </a:bodyPr>
+          <a:lstStyle/>
+          <a:p>
+            <a:r>
+              <a:rPr lang="en-US" b="1" dirty="0">
+                <a:solidFill>
+                  <a:schemeClr val="accent1">
+                    <a:lumMod val="75000"/>
+                  </a:schemeClr>
+                </a:solidFill>
+              </a:rPr>
+              <a:t>Gamma: 0.9</a:t>
             </a:r>
           </a:p>
         </p:txBody>
@@ -4928,7 +4916,7 @@
     </p:spTree>
     <p:extLst>
       <p:ext uri="{BB962C8B-B14F-4D97-AF65-F5344CB8AC3E}">
-        <p14:creationId xmlns:p14="http://schemas.microsoft.com/office/powerpoint/2010/main" val="3789679773"/>
+        <p14:creationId xmlns:p14="http://schemas.microsoft.com/office/powerpoint/2010/main" val="2040053732"/>
       </p:ext>
     </p:extLst>
   </p:cSld>
@@ -4955,12 +4943,42 @@
           <a:chExt cx="0" cy="0"/>
         </a:xfrm>
       </p:grpSpPr>
+      <p:pic>
+        <p:nvPicPr>
+          <p:cNvPr id="4" name="Picture 3">
+            <a:extLst>
+              <a:ext uri="{FF2B5EF4-FFF2-40B4-BE49-F238E27FC236}">
+                <a16:creationId xmlns:a16="http://schemas.microsoft.com/office/drawing/2014/main" id="{7B025288-E2ED-4A0C-A382-6235BA7052F3}"/>
+              </a:ext>
+            </a:extLst>
+          </p:cNvPr>
+          <p:cNvPicPr>
+            <a:picLocks noChangeAspect="1"/>
+          </p:cNvPicPr>
+          <p:nvPr/>
+        </p:nvPicPr>
+        <p:blipFill>
+          <a:blip r:embed="rId2"/>
+          <a:stretch>
+            <a:fillRect/>
+          </a:stretch>
+        </p:blipFill>
+        <p:spPr>
+          <a:xfrm>
+            <a:off x="1129379" y="2534658"/>
+            <a:ext cx="7300772" cy="1537604"/>
+          </a:xfrm>
+          <a:prstGeom prst="rect">
+            <a:avLst/>
+          </a:prstGeom>
+        </p:spPr>
+      </p:pic>
       <p:sp>
         <p:nvSpPr>
           <p:cNvPr id="2" name="Title 1">
             <a:extLst>
               <a:ext uri="{FF2B5EF4-FFF2-40B4-BE49-F238E27FC236}">
-                <a16:creationId xmlns:a16="http://schemas.microsoft.com/office/drawing/2014/main" id="{FA18AC89-1D16-4D83-A894-3117457314E9}"/>
+                <a16:creationId xmlns:a16="http://schemas.microsoft.com/office/drawing/2014/main" id="{4DAEA207-CEE5-40B2-B975-B72466FAF0AF}"/>
               </a:ext>
             </a:extLst>
           </p:cNvPr>
@@ -4984,7 +5002,7 @@
                   </a:schemeClr>
                 </a:solidFill>
               </a:rPr>
-              <a:t>Q-Learning Milestones</a:t>
+              <a:t>Value Iteration</a:t>
             </a:r>
           </a:p>
         </p:txBody>
@@ -4994,7 +5012,7 @@
           <p:cNvPr id="3" name="Content Placeholder 2">
             <a:extLst>
               <a:ext uri="{FF2B5EF4-FFF2-40B4-BE49-F238E27FC236}">
-                <a16:creationId xmlns:a16="http://schemas.microsoft.com/office/drawing/2014/main" id="{7889332F-6F43-478B-B16F-C7F113151CDB}"/>
+                <a16:creationId xmlns:a16="http://schemas.microsoft.com/office/drawing/2014/main" id="{24CC0650-62D0-4086-A56C-668A4CC8A5AB}"/>
               </a:ext>
             </a:extLst>
           </p:cNvPr>
@@ -5005,93 +5023,322 @@
             <p:ph idx="1"/>
           </p:nvPr>
         </p:nvSpPr>
-        <p:spPr/>
-        <p:txBody>
-          <a:bodyPr/>
-          <a:lstStyle/>
-          <a:p>
-            <a:r>
-              <a:rPr lang="en-US" dirty="0">
-                <a:solidFill>
-                  <a:schemeClr val="accent5">
-                    <a:lumMod val="50000"/>
-                  </a:schemeClr>
-                </a:solidFill>
-              </a:rPr>
-              <a:t>Q-Learning (1989 Chris Watkins)</a:t>
-            </a:r>
-          </a:p>
-          <a:p>
-            <a:r>
-              <a:rPr lang="en-US" dirty="0">
-                <a:solidFill>
-                  <a:schemeClr val="accent5">
-                    <a:lumMod val="50000"/>
-                  </a:schemeClr>
-                </a:solidFill>
-              </a:rPr>
-              <a:t>Double Q-Learning (2010 </a:t>
-            </a:r>
-            <a:r>
-              <a:rPr lang="en-US" dirty="0" err="1">
-                <a:solidFill>
-                  <a:schemeClr val="accent5">
-                    <a:lumMod val="50000"/>
-                  </a:schemeClr>
-                </a:solidFill>
-              </a:rPr>
-              <a:t>Hado</a:t>
-            </a:r>
-            <a:r>
-              <a:rPr lang="en-US" dirty="0">
-                <a:solidFill>
-                  <a:schemeClr val="accent5">
-                    <a:lumMod val="50000"/>
-                  </a:schemeClr>
-                </a:solidFill>
-              </a:rPr>
-              <a:t> van Hasselt)</a:t>
-            </a:r>
-          </a:p>
-          <a:p>
-            <a:r>
-              <a:rPr lang="en-US" dirty="0">
-                <a:solidFill>
-                  <a:schemeClr val="accent5">
-                    <a:lumMod val="50000"/>
-                  </a:schemeClr>
-                </a:solidFill>
-              </a:rPr>
-              <a:t>DQN (2015 Google DeepMind)</a:t>
-            </a:r>
-          </a:p>
-          <a:p>
-            <a:r>
-              <a:rPr lang="en-US" dirty="0">
-                <a:solidFill>
-                  <a:schemeClr val="accent5">
-                    <a:lumMod val="50000"/>
-                  </a:schemeClr>
-                </a:solidFill>
-              </a:rPr>
-              <a:t>DDQN (2016 Google DeepMind)</a:t>
-            </a:r>
-          </a:p>
-          <a:p>
-            <a:endParaRPr lang="en-US" dirty="0">
-              <a:solidFill>
-                <a:schemeClr val="accent5">
-                  <a:lumMod val="50000"/>
-                </a:schemeClr>
-              </a:solidFill>
-            </a:endParaRPr>
+        <p:spPr>
+          <a:xfrm>
+            <a:off x="838200" y="1825625"/>
+            <a:ext cx="10515600" cy="2246637"/>
+          </a:xfrm>
+        </p:spPr>
+        <p:txBody>
+          <a:bodyPr/>
+          <a:lstStyle/>
+          <a:p>
+            <a:r>
+              <a:rPr lang="en-US" dirty="0">
+                <a:solidFill>
+                  <a:schemeClr val="accent5">
+                    <a:lumMod val="50000"/>
+                  </a:schemeClr>
+                </a:solidFill>
+              </a:rPr>
+              <a:t>Instead of the optimal policy we find the maximum value</a:t>
+            </a:r>
+          </a:p>
+          <a:p>
+            <a:r>
+              <a:rPr lang="en-US" dirty="0">
+                <a:solidFill>
+                  <a:schemeClr val="accent5">
+                    <a:lumMod val="50000"/>
+                  </a:schemeClr>
+                </a:solidFill>
+              </a:rPr>
+              <a:t>Value Function</a:t>
+            </a:r>
+          </a:p>
+        </p:txBody>
+      </p:sp>
+      <p:sp>
+        <p:nvSpPr>
+          <p:cNvPr id="6" name="Title 1">
+            <a:extLst>
+              <a:ext uri="{FF2B5EF4-FFF2-40B4-BE49-F238E27FC236}">
+                <a16:creationId xmlns:a16="http://schemas.microsoft.com/office/drawing/2014/main" id="{0494A47D-090B-4CFB-824B-DEDC781F5DC7}"/>
+              </a:ext>
+            </a:extLst>
+          </p:cNvPr>
+          <p:cNvSpPr txBox="1">
+            <a:spLocks/>
+          </p:cNvSpPr>
+          <p:nvPr/>
+        </p:nvSpPr>
+        <p:spPr>
+          <a:xfrm>
+            <a:off x="838200" y="3987191"/>
+            <a:ext cx="10515600" cy="1325563"/>
+          </a:xfrm>
+          <a:prstGeom prst="rect">
+            <a:avLst/>
+          </a:prstGeom>
+        </p:spPr>
+        <p:txBody>
+          <a:bodyPr vert="horz" lIns="91440" tIns="45720" rIns="91440" bIns="45720" rtlCol="0" anchor="ctr">
+            <a:normAutofit/>
+          </a:bodyPr>
+          <a:lstStyle>
+            <a:lvl1pPr algn="l" defTabSz="914400" rtl="0" eaLnBrk="1" latinLnBrk="0" hangingPunct="1">
+              <a:lnSpc>
+                <a:spcPct val="90000"/>
+              </a:lnSpc>
+              <a:spcBef>
+                <a:spcPct val="0"/>
+              </a:spcBef>
+              <a:buNone/>
+              <a:defRPr sz="4400" kern="1200">
+                <a:solidFill>
+                  <a:schemeClr val="tx1"/>
+                </a:solidFill>
+                <a:latin typeface="+mj-lt"/>
+                <a:ea typeface="+mj-ea"/>
+                <a:cs typeface="+mj-cs"/>
+              </a:defRPr>
+            </a:lvl1pPr>
+          </a:lstStyle>
+          <a:p>
+            <a:r>
+              <a:rPr lang="en-US" dirty="0">
+                <a:solidFill>
+                  <a:schemeClr val="accent5">
+                    <a:lumMod val="50000"/>
+                  </a:schemeClr>
+                </a:solidFill>
+              </a:rPr>
+              <a:t>Policy Iteration</a:t>
+            </a:r>
+          </a:p>
+        </p:txBody>
+      </p:sp>
+      <p:sp>
+        <p:nvSpPr>
+          <p:cNvPr id="7" name="Content Placeholder 2">
+            <a:extLst>
+              <a:ext uri="{FF2B5EF4-FFF2-40B4-BE49-F238E27FC236}">
+                <a16:creationId xmlns:a16="http://schemas.microsoft.com/office/drawing/2014/main" id="{11D30AE9-85CD-461B-91A3-DA4B34DFC1D1}"/>
+              </a:ext>
+            </a:extLst>
+          </p:cNvPr>
+          <p:cNvSpPr txBox="1">
+            <a:spLocks/>
+          </p:cNvSpPr>
+          <p:nvPr/>
+        </p:nvSpPr>
+        <p:spPr>
+          <a:xfrm>
+            <a:off x="838200" y="5110509"/>
+            <a:ext cx="10515600" cy="2246637"/>
+          </a:xfrm>
+          <a:prstGeom prst="rect">
+            <a:avLst/>
+          </a:prstGeom>
+        </p:spPr>
+        <p:txBody>
+          <a:bodyPr vert="horz" lIns="91440" tIns="45720" rIns="91440" bIns="45720" rtlCol="0">
+            <a:normAutofit/>
+          </a:bodyPr>
+          <a:lstStyle>
+            <a:lvl1pPr marL="228600" indent="-228600" algn="l" defTabSz="914400" rtl="0" eaLnBrk="1" latinLnBrk="0" hangingPunct="1">
+              <a:lnSpc>
+                <a:spcPct val="90000"/>
+              </a:lnSpc>
+              <a:spcBef>
+                <a:spcPts val="1000"/>
+              </a:spcBef>
+              <a:buFont typeface="Arial" panose="020B0604020202020204" pitchFamily="34" charset="0"/>
+              <a:buChar char="•"/>
+              <a:defRPr sz="2800" kern="1200">
+                <a:solidFill>
+                  <a:schemeClr val="tx1"/>
+                </a:solidFill>
+                <a:latin typeface="+mn-lt"/>
+                <a:ea typeface="+mn-ea"/>
+                <a:cs typeface="+mn-cs"/>
+              </a:defRPr>
+            </a:lvl1pPr>
+            <a:lvl2pPr marL="685800" indent="-228600" algn="l" defTabSz="914400" rtl="0" eaLnBrk="1" latinLnBrk="0" hangingPunct="1">
+              <a:lnSpc>
+                <a:spcPct val="90000"/>
+              </a:lnSpc>
+              <a:spcBef>
+                <a:spcPts val="500"/>
+              </a:spcBef>
+              <a:buFont typeface="Arial" panose="020B0604020202020204" pitchFamily="34" charset="0"/>
+              <a:buChar char="•"/>
+              <a:defRPr sz="2400" kern="1200">
+                <a:solidFill>
+                  <a:schemeClr val="tx1"/>
+                </a:solidFill>
+                <a:latin typeface="+mn-lt"/>
+                <a:ea typeface="+mn-ea"/>
+                <a:cs typeface="+mn-cs"/>
+              </a:defRPr>
+            </a:lvl2pPr>
+            <a:lvl3pPr marL="1143000" indent="-228600" algn="l" defTabSz="914400" rtl="0" eaLnBrk="1" latinLnBrk="0" hangingPunct="1">
+              <a:lnSpc>
+                <a:spcPct val="90000"/>
+              </a:lnSpc>
+              <a:spcBef>
+                <a:spcPts val="500"/>
+              </a:spcBef>
+              <a:buFont typeface="Arial" panose="020B0604020202020204" pitchFamily="34" charset="0"/>
+              <a:buChar char="•"/>
+              <a:defRPr sz="2000" kern="1200">
+                <a:solidFill>
+                  <a:schemeClr val="tx1"/>
+                </a:solidFill>
+                <a:latin typeface="+mn-lt"/>
+                <a:ea typeface="+mn-ea"/>
+                <a:cs typeface="+mn-cs"/>
+              </a:defRPr>
+            </a:lvl3pPr>
+            <a:lvl4pPr marL="1600200" indent="-228600" algn="l" defTabSz="914400" rtl="0" eaLnBrk="1" latinLnBrk="0" hangingPunct="1">
+              <a:lnSpc>
+                <a:spcPct val="90000"/>
+              </a:lnSpc>
+              <a:spcBef>
+                <a:spcPts val="500"/>
+              </a:spcBef>
+              <a:buFont typeface="Arial" panose="020B0604020202020204" pitchFamily="34" charset="0"/>
+              <a:buChar char="•"/>
+              <a:defRPr sz="1800" kern="1200">
+                <a:solidFill>
+                  <a:schemeClr val="tx1"/>
+                </a:solidFill>
+                <a:latin typeface="+mn-lt"/>
+                <a:ea typeface="+mn-ea"/>
+                <a:cs typeface="+mn-cs"/>
+              </a:defRPr>
+            </a:lvl4pPr>
+            <a:lvl5pPr marL="2057400" indent="-228600" algn="l" defTabSz="914400" rtl="0" eaLnBrk="1" latinLnBrk="0" hangingPunct="1">
+              <a:lnSpc>
+                <a:spcPct val="90000"/>
+              </a:lnSpc>
+              <a:spcBef>
+                <a:spcPts val="500"/>
+              </a:spcBef>
+              <a:buFont typeface="Arial" panose="020B0604020202020204" pitchFamily="34" charset="0"/>
+              <a:buChar char="•"/>
+              <a:defRPr sz="1800" kern="1200">
+                <a:solidFill>
+                  <a:schemeClr val="tx1"/>
+                </a:solidFill>
+                <a:latin typeface="+mn-lt"/>
+                <a:ea typeface="+mn-ea"/>
+                <a:cs typeface="+mn-cs"/>
+              </a:defRPr>
+            </a:lvl5pPr>
+            <a:lvl6pPr marL="2514600" indent="-228600" algn="l" defTabSz="914400" rtl="0" eaLnBrk="1" latinLnBrk="0" hangingPunct="1">
+              <a:lnSpc>
+                <a:spcPct val="90000"/>
+              </a:lnSpc>
+              <a:spcBef>
+                <a:spcPts val="500"/>
+              </a:spcBef>
+              <a:buFont typeface="Arial" panose="020B0604020202020204" pitchFamily="34" charset="0"/>
+              <a:buChar char="•"/>
+              <a:defRPr sz="1800" kern="1200">
+                <a:solidFill>
+                  <a:schemeClr val="tx1"/>
+                </a:solidFill>
+                <a:latin typeface="+mn-lt"/>
+                <a:ea typeface="+mn-ea"/>
+                <a:cs typeface="+mn-cs"/>
+              </a:defRPr>
+            </a:lvl6pPr>
+            <a:lvl7pPr marL="2971800" indent="-228600" algn="l" defTabSz="914400" rtl="0" eaLnBrk="1" latinLnBrk="0" hangingPunct="1">
+              <a:lnSpc>
+                <a:spcPct val="90000"/>
+              </a:lnSpc>
+              <a:spcBef>
+                <a:spcPts val="500"/>
+              </a:spcBef>
+              <a:buFont typeface="Arial" panose="020B0604020202020204" pitchFamily="34" charset="0"/>
+              <a:buChar char="•"/>
+              <a:defRPr sz="1800" kern="1200">
+                <a:solidFill>
+                  <a:schemeClr val="tx1"/>
+                </a:solidFill>
+                <a:latin typeface="+mn-lt"/>
+                <a:ea typeface="+mn-ea"/>
+                <a:cs typeface="+mn-cs"/>
+              </a:defRPr>
+            </a:lvl7pPr>
+            <a:lvl8pPr marL="3429000" indent="-228600" algn="l" defTabSz="914400" rtl="0" eaLnBrk="1" latinLnBrk="0" hangingPunct="1">
+              <a:lnSpc>
+                <a:spcPct val="90000"/>
+              </a:lnSpc>
+              <a:spcBef>
+                <a:spcPts val="500"/>
+              </a:spcBef>
+              <a:buFont typeface="Arial" panose="020B0604020202020204" pitchFamily="34" charset="0"/>
+              <a:buChar char="•"/>
+              <a:defRPr sz="1800" kern="1200">
+                <a:solidFill>
+                  <a:schemeClr val="tx1"/>
+                </a:solidFill>
+                <a:latin typeface="+mn-lt"/>
+                <a:ea typeface="+mn-ea"/>
+                <a:cs typeface="+mn-cs"/>
+              </a:defRPr>
+            </a:lvl8pPr>
+            <a:lvl9pPr marL="3886200" indent="-228600" algn="l" defTabSz="914400" rtl="0" eaLnBrk="1" latinLnBrk="0" hangingPunct="1">
+              <a:lnSpc>
+                <a:spcPct val="90000"/>
+              </a:lnSpc>
+              <a:spcBef>
+                <a:spcPts val="500"/>
+              </a:spcBef>
+              <a:buFont typeface="Arial" panose="020B0604020202020204" pitchFamily="34" charset="0"/>
+              <a:buChar char="•"/>
+              <a:defRPr sz="1800" kern="1200">
+                <a:solidFill>
+                  <a:schemeClr val="tx1"/>
+                </a:solidFill>
+                <a:latin typeface="+mn-lt"/>
+                <a:ea typeface="+mn-ea"/>
+                <a:cs typeface="+mn-cs"/>
+              </a:defRPr>
+            </a:lvl9pPr>
+          </a:lstStyle>
+          <a:p>
+            <a:r>
+              <a:rPr lang="en-US" dirty="0">
+                <a:solidFill>
+                  <a:schemeClr val="accent5">
+                    <a:lumMod val="50000"/>
+                  </a:schemeClr>
+                </a:solidFill>
+              </a:rPr>
+              <a:t>Update the policy directly instead of trying to find the value</a:t>
+            </a:r>
+          </a:p>
+          <a:p>
+            <a:r>
+              <a:rPr lang="en-US" dirty="0">
+                <a:solidFill>
+                  <a:schemeClr val="accent5">
+                    <a:lumMod val="50000"/>
+                  </a:schemeClr>
+                </a:solidFill>
+              </a:rPr>
+              <a:t>Ex: Using linear equations find the infinite reward for each state using current policy. Change first action and repeat.</a:t>
+            </a:r>
           </a:p>
         </p:txBody>
       </p:sp>
     </p:spTree>
     <p:extLst>
       <p:ext uri="{BB962C8B-B14F-4D97-AF65-F5344CB8AC3E}">
-        <p14:creationId xmlns:p14="http://schemas.microsoft.com/office/powerpoint/2010/main" val="4159592384"/>
+        <p14:creationId xmlns:p14="http://schemas.microsoft.com/office/powerpoint/2010/main" val="3789679773"/>
       </p:ext>
     </p:extLst>
   </p:cSld>
@@ -5123,7 +5370,7 @@
           <p:cNvPr id="2" name="Title 1">
             <a:extLst>
               <a:ext uri="{FF2B5EF4-FFF2-40B4-BE49-F238E27FC236}">
-                <a16:creationId xmlns:a16="http://schemas.microsoft.com/office/drawing/2014/main" id="{D08EA3D0-C4F0-46D7-B088-4DF0C38B21E4}"/>
+                <a16:creationId xmlns:a16="http://schemas.microsoft.com/office/drawing/2014/main" id="{FA18AC89-1D16-4D83-A894-3117457314E9}"/>
               </a:ext>
             </a:extLst>
           </p:cNvPr>
@@ -5147,7 +5394,7 @@
                   </a:schemeClr>
                 </a:solidFill>
               </a:rPr>
-              <a:t>Q-Learning</a:t>
+              <a:t>Q-Learning Milestones</a:t>
             </a:r>
           </a:p>
         </p:txBody>
@@ -5157,7 +5404,7 @@
           <p:cNvPr id="3" name="Content Placeholder 2">
             <a:extLst>
               <a:ext uri="{FF2B5EF4-FFF2-40B4-BE49-F238E27FC236}">
-                <a16:creationId xmlns:a16="http://schemas.microsoft.com/office/drawing/2014/main" id="{0B19E517-90DF-4945-91CB-75379883CFDB}"/>
+                <a16:creationId xmlns:a16="http://schemas.microsoft.com/office/drawing/2014/main" id="{7889332F-6F43-478B-B16F-C7F113151CDB}"/>
               </a:ext>
             </a:extLst>
           </p:cNvPr>
@@ -5181,51 +5428,80 @@
                   </a:schemeClr>
                 </a:solidFill>
               </a:rPr>
-              <a:t>Created by Chris Watkins (1989) based off of what Richard Sutton was doing with RL</a:t>
-            </a:r>
-          </a:p>
-          <a:p>
-            <a:r>
-              <a:rPr lang="en-US" dirty="0">
-                <a:solidFill>
-                  <a:schemeClr val="accent5">
-                    <a:lumMod val="50000"/>
-                  </a:schemeClr>
-                </a:solidFill>
-              </a:rPr>
-              <a:t>Reinforcement learning technique using a Q table to learn the optimal policy</a:t>
-            </a:r>
-          </a:p>
-          <a:p>
-            <a:r>
-              <a:rPr lang="en-US" dirty="0">
-                <a:solidFill>
-                  <a:schemeClr val="accent5">
-                    <a:lumMod val="50000"/>
-                  </a:schemeClr>
-                </a:solidFill>
-              </a:rPr>
-              <a:t>Model Free</a:t>
-            </a:r>
-          </a:p>
-          <a:p>
-            <a:r>
-              <a:rPr lang="en-US" dirty="0">
-                <a:solidFill>
-                  <a:schemeClr val="accent5">
-                    <a:lumMod val="50000"/>
-                  </a:schemeClr>
-                </a:solidFill>
-              </a:rPr>
-              <a:t>To The Notebook!</a:t>
-            </a:r>
+              <a:t>Q-Learning (1989 Chris Watkins)</a:t>
+            </a:r>
+          </a:p>
+          <a:p>
+            <a:r>
+              <a:rPr lang="en-US" dirty="0">
+                <a:solidFill>
+                  <a:schemeClr val="accent5">
+                    <a:lumMod val="50000"/>
+                  </a:schemeClr>
+                </a:solidFill>
+              </a:rPr>
+              <a:t>Double Q-Learning (2010 </a:t>
+            </a:r>
+            <a:r>
+              <a:rPr lang="en-US" dirty="0" err="1">
+                <a:solidFill>
+                  <a:schemeClr val="accent5">
+                    <a:lumMod val="50000"/>
+                  </a:schemeClr>
+                </a:solidFill>
+              </a:rPr>
+              <a:t>Hado</a:t>
+            </a:r>
+            <a:r>
+              <a:rPr lang="en-US" dirty="0">
+                <a:solidFill>
+                  <a:schemeClr val="accent5">
+                    <a:lumMod val="50000"/>
+                  </a:schemeClr>
+                </a:solidFill>
+              </a:rPr>
+              <a:t> van Hasselt)</a:t>
+            </a:r>
+          </a:p>
+          <a:p>
+            <a:r>
+              <a:rPr lang="en-US" dirty="0">
+                <a:solidFill>
+                  <a:schemeClr val="accent5">
+                    <a:lumMod val="50000"/>
+                  </a:schemeClr>
+                </a:solidFill>
+              </a:rPr>
+              <a:t>DQN (2015 Google DeepMind)</a:t>
+            </a:r>
+          </a:p>
+          <a:p>
+            <a:r>
+              <a:rPr lang="en-US" dirty="0">
+                <a:solidFill>
+                  <a:schemeClr val="accent5">
+                    <a:lumMod val="50000"/>
+                  </a:schemeClr>
+                </a:solidFill>
+              </a:rPr>
+              <a:t>DDQN (2016 Google DeepMind)</a:t>
+            </a:r>
+          </a:p>
+          <a:p>
+            <a:endParaRPr lang="en-US" dirty="0">
+              <a:solidFill>
+                <a:schemeClr val="accent5">
+                  <a:lumMod val="50000"/>
+                </a:schemeClr>
+              </a:solidFill>
+            </a:endParaRPr>
           </a:p>
         </p:txBody>
       </p:sp>
     </p:spTree>
     <p:extLst>
       <p:ext uri="{BB962C8B-B14F-4D97-AF65-F5344CB8AC3E}">
-        <p14:creationId xmlns:p14="http://schemas.microsoft.com/office/powerpoint/2010/main" val="2070136954"/>
+        <p14:creationId xmlns:p14="http://schemas.microsoft.com/office/powerpoint/2010/main" val="4159592384"/>
       </p:ext>
     </p:extLst>
   </p:cSld>
@@ -5257,7 +5533,7 @@
           <p:cNvPr id="2" name="Title 1">
             <a:extLst>
               <a:ext uri="{FF2B5EF4-FFF2-40B4-BE49-F238E27FC236}">
-                <a16:creationId xmlns:a16="http://schemas.microsoft.com/office/drawing/2014/main" id="{9AEA7399-EF2B-4768-9D76-3533BF5BF4AA}"/>
+                <a16:creationId xmlns:a16="http://schemas.microsoft.com/office/drawing/2014/main" id="{D08EA3D0-C4F0-46D7-B088-4DF0C38B21E4}"/>
               </a:ext>
             </a:extLst>
           </p:cNvPr>
@@ -5281,7 +5557,7 @@
                   </a:schemeClr>
                 </a:solidFill>
               </a:rPr>
-              <a:t>Double Q-Learning</a:t>
+              <a:t>Q-Learning</a:t>
             </a:r>
           </a:p>
         </p:txBody>
@@ -5291,7 +5567,7 @@
           <p:cNvPr id="3" name="Content Placeholder 2">
             <a:extLst>
               <a:ext uri="{FF2B5EF4-FFF2-40B4-BE49-F238E27FC236}">
-                <a16:creationId xmlns:a16="http://schemas.microsoft.com/office/drawing/2014/main" id="{532F6AE5-037D-49D2-BDB0-68E1A6CF9612}"/>
+                <a16:creationId xmlns:a16="http://schemas.microsoft.com/office/drawing/2014/main" id="{0B19E517-90DF-4945-91CB-75379883CFDB}"/>
               </a:ext>
             </a:extLst>
           </p:cNvPr>
@@ -5315,71 +5591,31 @@
                   </a:schemeClr>
                 </a:solidFill>
               </a:rPr>
-              <a:t>Created by </a:t>
-            </a:r>
-            <a:r>
-              <a:rPr lang="en-US" dirty="0" err="1">
-                <a:solidFill>
-                  <a:schemeClr val="accent5">
-                    <a:lumMod val="50000"/>
-                  </a:schemeClr>
-                </a:solidFill>
-              </a:rPr>
-              <a:t>Hado</a:t>
-            </a:r>
-            <a:r>
-              <a:rPr lang="en-US" dirty="0">
-                <a:solidFill>
-                  <a:schemeClr val="accent5">
-                    <a:lumMod val="50000"/>
-                  </a:schemeClr>
-                </a:solidFill>
-              </a:rPr>
-              <a:t> van Hasselt (2010)</a:t>
-            </a:r>
-          </a:p>
-          <a:p>
-            <a:r>
-              <a:rPr lang="en-US" dirty="0">
-                <a:solidFill>
-                  <a:schemeClr val="accent5">
-                    <a:lumMod val="50000"/>
-                  </a:schemeClr>
-                </a:solidFill>
-              </a:rPr>
-              <a:t>Q-Learning uses </a:t>
-            </a:r>
-            <a:r>
-              <a:rPr lang="en-US" i="1" dirty="0">
-                <a:solidFill>
-                  <a:schemeClr val="accent5">
-                    <a:lumMod val="50000"/>
-                  </a:schemeClr>
-                </a:solidFill>
-              </a:rPr>
-              <a:t>max</a:t>
-            </a:r>
-            <a:r>
-              <a:rPr lang="en-US" dirty="0">
-                <a:solidFill>
-                  <a:schemeClr val="accent5">
-                    <a:lumMod val="50000"/>
-                  </a:schemeClr>
-                </a:solidFill>
-              </a:rPr>
-              <a:t> and it has a tendency to overestimate values</a:t>
-            </a:r>
-          </a:p>
-          <a:p>
-            <a:r>
-              <a:rPr lang="en-US" dirty="0">
-                <a:solidFill>
-                  <a:schemeClr val="accent5">
-                    <a:lumMod val="50000"/>
-                  </a:schemeClr>
-                </a:solidFill>
-              </a:rPr>
-              <a:t>Introducing a second Q table solved this issue by grabbing the action with the max value in the second table and using that in the first table</a:t>
+              <a:t>Created by Chris Watkins (1989) based off of what Richard Sutton was doing with RL</a:t>
+            </a:r>
+          </a:p>
+          <a:p>
+            <a:r>
+              <a:rPr lang="en-US" dirty="0">
+                <a:solidFill>
+                  <a:schemeClr val="accent5">
+                    <a:lumMod val="50000"/>
+                  </a:schemeClr>
+                </a:solidFill>
+              </a:rPr>
+              <a:t>Reinforcement learning technique using a Q table to learn the optimal policy</a:t>
+            </a:r>
+          </a:p>
+          <a:p>
+            <a:r>
+              <a:rPr lang="en-US" dirty="0">
+                <a:solidFill>
+                  <a:schemeClr val="accent5">
+                    <a:lumMod val="50000"/>
+                  </a:schemeClr>
+                </a:solidFill>
+              </a:rPr>
+              <a:t>Model Free</a:t>
             </a:r>
           </a:p>
           <a:p>
@@ -5399,7 +5635,7 @@
     </p:spTree>
     <p:extLst>
       <p:ext uri="{BB962C8B-B14F-4D97-AF65-F5344CB8AC3E}">
-        <p14:creationId xmlns:p14="http://schemas.microsoft.com/office/powerpoint/2010/main" val="242379627"/>
+        <p14:creationId xmlns:p14="http://schemas.microsoft.com/office/powerpoint/2010/main" val="2070136954"/>
       </p:ext>
     </p:extLst>
   </p:cSld>
@@ -5431,7 +5667,7 @@
           <p:cNvPr id="2" name="Title 1">
             <a:extLst>
               <a:ext uri="{FF2B5EF4-FFF2-40B4-BE49-F238E27FC236}">
-                <a16:creationId xmlns:a16="http://schemas.microsoft.com/office/drawing/2014/main" id="{E433AFF9-2F3F-49D1-8D5A-260CFE2D130C}"/>
+                <a16:creationId xmlns:a16="http://schemas.microsoft.com/office/drawing/2014/main" id="{9AEA7399-EF2B-4768-9D76-3533BF5BF4AA}"/>
               </a:ext>
             </a:extLst>
           </p:cNvPr>
@@ -5455,7 +5691,7 @@
                   </a:schemeClr>
                 </a:solidFill>
               </a:rPr>
-              <a:t>Neural Network</a:t>
+              <a:t>Double Q-Learning</a:t>
             </a:r>
           </a:p>
         </p:txBody>
@@ -5465,7 +5701,7 @@
           <p:cNvPr id="3" name="Content Placeholder 2">
             <a:extLst>
               <a:ext uri="{FF2B5EF4-FFF2-40B4-BE49-F238E27FC236}">
-                <a16:creationId xmlns:a16="http://schemas.microsoft.com/office/drawing/2014/main" id="{47E4C6DC-785D-45CB-8A01-DDD799145B95}"/>
+                <a16:creationId xmlns:a16="http://schemas.microsoft.com/office/drawing/2014/main" id="{532F6AE5-037D-49D2-BDB0-68E1A6CF9612}"/>
               </a:ext>
             </a:extLst>
           </p:cNvPr>
@@ -5489,19 +5725,71 @@
                   </a:schemeClr>
                 </a:solidFill>
               </a:rPr>
-              <a:t>Based on how our brains work in processing data using interconnected neurons</a:t>
-            </a:r>
-          </a:p>
-          <a:p>
-            <a:r>
-              <a:rPr lang="en-US" dirty="0">
-                <a:solidFill>
-                  <a:schemeClr val="accent5">
-                    <a:lumMod val="50000"/>
-                  </a:schemeClr>
-                </a:solidFill>
-              </a:rPr>
-              <a:t>Function Approximation: Selecting a function instead of a discrete value</a:t>
+              <a:t>Created by </a:t>
+            </a:r>
+            <a:r>
+              <a:rPr lang="en-US" dirty="0" err="1">
+                <a:solidFill>
+                  <a:schemeClr val="accent5">
+                    <a:lumMod val="50000"/>
+                  </a:schemeClr>
+                </a:solidFill>
+              </a:rPr>
+              <a:t>Hado</a:t>
+            </a:r>
+            <a:r>
+              <a:rPr lang="en-US" dirty="0">
+                <a:solidFill>
+                  <a:schemeClr val="accent5">
+                    <a:lumMod val="50000"/>
+                  </a:schemeClr>
+                </a:solidFill>
+              </a:rPr>
+              <a:t> van Hasselt (2010)</a:t>
+            </a:r>
+          </a:p>
+          <a:p>
+            <a:r>
+              <a:rPr lang="en-US" dirty="0">
+                <a:solidFill>
+                  <a:schemeClr val="accent5">
+                    <a:lumMod val="50000"/>
+                  </a:schemeClr>
+                </a:solidFill>
+              </a:rPr>
+              <a:t>Q-Learning uses </a:t>
+            </a:r>
+            <a:r>
+              <a:rPr lang="en-US" i="1" dirty="0">
+                <a:solidFill>
+                  <a:schemeClr val="accent5">
+                    <a:lumMod val="50000"/>
+                  </a:schemeClr>
+                </a:solidFill>
+              </a:rPr>
+              <a:t>max</a:t>
+            </a:r>
+            <a:r>
+              <a:rPr lang="en-US" dirty="0">
+                <a:solidFill>
+                  <a:schemeClr val="accent5">
+                    <a:lumMod val="50000"/>
+                  </a:schemeClr>
+                </a:solidFill>
+              </a:rPr>
+              <a:t> and it has a tendency to overestimate values</a:t>
+            </a:r>
+          </a:p>
+          <a:p>
+            <a:r>
+              <a:rPr lang="en-US" dirty="0">
+                <a:solidFill>
+                  <a:schemeClr val="accent5">
+                    <a:lumMod val="50000"/>
+                  </a:schemeClr>
+                </a:solidFill>
+              </a:rPr>
+              <a:t>Introducing a second Q table solved this issue by grabbing the action with the max value in the second table and using that in the first table</a:t>
             </a:r>
           </a:p>
           <a:p>
@@ -5521,7 +5809,7 @@
     </p:spTree>
     <p:extLst>
       <p:ext uri="{BB962C8B-B14F-4D97-AF65-F5344CB8AC3E}">
-        <p14:creationId xmlns:p14="http://schemas.microsoft.com/office/powerpoint/2010/main" val="3860842026"/>
+        <p14:creationId xmlns:p14="http://schemas.microsoft.com/office/powerpoint/2010/main" val="242379627"/>
       </p:ext>
     </p:extLst>
   </p:cSld>
@@ -5553,6 +5841,128 @@
           <p:cNvPr id="2" name="Title 1">
             <a:extLst>
               <a:ext uri="{FF2B5EF4-FFF2-40B4-BE49-F238E27FC236}">
+                <a16:creationId xmlns:a16="http://schemas.microsoft.com/office/drawing/2014/main" id="{E433AFF9-2F3F-49D1-8D5A-260CFE2D130C}"/>
+              </a:ext>
+            </a:extLst>
+          </p:cNvPr>
+          <p:cNvSpPr>
+            <a:spLocks noGrp="1"/>
+          </p:cNvSpPr>
+          <p:nvPr>
+            <p:ph type="title"/>
+          </p:nvPr>
+        </p:nvSpPr>
+        <p:spPr/>
+        <p:txBody>
+          <a:bodyPr/>
+          <a:lstStyle/>
+          <a:p>
+            <a:r>
+              <a:rPr lang="en-US" dirty="0">
+                <a:solidFill>
+                  <a:schemeClr val="accent5">
+                    <a:lumMod val="50000"/>
+                  </a:schemeClr>
+                </a:solidFill>
+              </a:rPr>
+              <a:t>Neural Network</a:t>
+            </a:r>
+          </a:p>
+        </p:txBody>
+      </p:sp>
+      <p:sp>
+        <p:nvSpPr>
+          <p:cNvPr id="3" name="Content Placeholder 2">
+            <a:extLst>
+              <a:ext uri="{FF2B5EF4-FFF2-40B4-BE49-F238E27FC236}">
+                <a16:creationId xmlns:a16="http://schemas.microsoft.com/office/drawing/2014/main" id="{47E4C6DC-785D-45CB-8A01-DDD799145B95}"/>
+              </a:ext>
+            </a:extLst>
+          </p:cNvPr>
+          <p:cNvSpPr>
+            <a:spLocks noGrp="1"/>
+          </p:cNvSpPr>
+          <p:nvPr>
+            <p:ph idx="1"/>
+          </p:nvPr>
+        </p:nvSpPr>
+        <p:spPr/>
+        <p:txBody>
+          <a:bodyPr/>
+          <a:lstStyle/>
+          <a:p>
+            <a:r>
+              <a:rPr lang="en-US" dirty="0">
+                <a:solidFill>
+                  <a:schemeClr val="accent5">
+                    <a:lumMod val="50000"/>
+                  </a:schemeClr>
+                </a:solidFill>
+              </a:rPr>
+              <a:t>Based on how our brains work in processing data using interconnected neurons</a:t>
+            </a:r>
+          </a:p>
+          <a:p>
+            <a:r>
+              <a:rPr lang="en-US" dirty="0">
+                <a:solidFill>
+                  <a:schemeClr val="accent5">
+                    <a:lumMod val="50000"/>
+                  </a:schemeClr>
+                </a:solidFill>
+              </a:rPr>
+              <a:t>Function Approximation: Selecting a function instead of a discrete value</a:t>
+            </a:r>
+          </a:p>
+          <a:p>
+            <a:r>
+              <a:rPr lang="en-US" dirty="0">
+                <a:solidFill>
+                  <a:schemeClr val="accent5">
+                    <a:lumMod val="50000"/>
+                  </a:schemeClr>
+                </a:solidFill>
+              </a:rPr>
+              <a:t>To The Notebook!</a:t>
+            </a:r>
+          </a:p>
+        </p:txBody>
+      </p:sp>
+    </p:spTree>
+    <p:extLst>
+      <p:ext uri="{BB962C8B-B14F-4D97-AF65-F5344CB8AC3E}">
+        <p14:creationId xmlns:p14="http://schemas.microsoft.com/office/powerpoint/2010/main" val="3860842026"/>
+      </p:ext>
+    </p:extLst>
+  </p:cSld>
+  <p:clrMapOvr>
+    <a:masterClrMapping/>
+  </p:clrMapOvr>
+</p:sld>
+</file>
+
+<file path=ppt/slides/slide16.xml><?xml version="1.0" encoding="utf-8"?>
+<p:sld xmlns:a="http://schemas.openxmlformats.org/drawingml/2006/main" xmlns:r="http://schemas.openxmlformats.org/officeDocument/2006/relationships" xmlns:p="http://schemas.openxmlformats.org/presentationml/2006/main">
+  <p:cSld>
+    <p:spTree>
+      <p:nvGrpSpPr>
+        <p:cNvPr id="1" name=""/>
+        <p:cNvGrpSpPr/>
+        <p:nvPr/>
+      </p:nvGrpSpPr>
+      <p:grpSpPr>
+        <a:xfrm>
+          <a:off x="0" y="0"/>
+          <a:ext cx="0" cy="0"/>
+          <a:chOff x="0" y="0"/>
+          <a:chExt cx="0" cy="0"/>
+        </a:xfrm>
+      </p:grpSpPr>
+      <p:sp>
+        <p:nvSpPr>
+          <p:cNvPr id="2" name="Title 1">
+            <a:extLst>
+              <a:ext uri="{FF2B5EF4-FFF2-40B4-BE49-F238E27FC236}">
                 <a16:creationId xmlns:a16="http://schemas.microsoft.com/office/drawing/2014/main" id="{36911AF4-A378-4555-AF6B-D2559FE747AA}"/>
               </a:ext>
             </a:extLst>
@@ -5653,7 +6063,7 @@
 </p:sld>
 </file>
 
-<file path=ppt/slides/slide16.xml><?xml version="1.0" encoding="utf-8"?>
+<file path=ppt/slides/slide17.xml><?xml version="1.0" encoding="utf-8"?>
 <p:sld xmlns:a="http://schemas.openxmlformats.org/drawingml/2006/main" xmlns:r="http://schemas.openxmlformats.org/officeDocument/2006/relationships" xmlns:p="http://schemas.openxmlformats.org/presentationml/2006/main">
   <p:cSld>
     <p:spTree>
